--- a/32Bit MIPS CPU Architecture - made by Bingcheng.pptx
+++ b/32Bit MIPS CPU Architecture - made by Bingcheng.pptx
@@ -254,7 +254,7 @@
           <a:p>
             <a:fld id="{9C520354-5E8F-5045-9489-51F8EE826BEB}" type="datetimeFigureOut">
               <a:rPr kumimoji="1" lang="zh-CN" altLang="en-US" smtClean="0"/>
-              <a:t>2018/10/27</a:t>
+              <a:t>2018/11/15</a:t>
             </a:fld>
             <a:endParaRPr kumimoji="1" lang="zh-CN" altLang="en-US"/>
           </a:p>
@@ -424,7 +424,7 @@
           <a:p>
             <a:fld id="{9C520354-5E8F-5045-9489-51F8EE826BEB}" type="datetimeFigureOut">
               <a:rPr kumimoji="1" lang="zh-CN" altLang="en-US" smtClean="0"/>
-              <a:t>2018/10/27</a:t>
+              <a:t>2018/11/15</a:t>
             </a:fld>
             <a:endParaRPr kumimoji="1" lang="zh-CN" altLang="en-US"/>
           </a:p>
@@ -604,7 +604,7 @@
           <a:p>
             <a:fld id="{9C520354-5E8F-5045-9489-51F8EE826BEB}" type="datetimeFigureOut">
               <a:rPr kumimoji="1" lang="zh-CN" altLang="en-US" smtClean="0"/>
-              <a:t>2018/10/27</a:t>
+              <a:t>2018/11/15</a:t>
             </a:fld>
             <a:endParaRPr kumimoji="1" lang="zh-CN" altLang="en-US"/>
           </a:p>
@@ -774,7 +774,7 @@
           <a:p>
             <a:fld id="{9C520354-5E8F-5045-9489-51F8EE826BEB}" type="datetimeFigureOut">
               <a:rPr kumimoji="1" lang="zh-CN" altLang="en-US" smtClean="0"/>
-              <a:t>2018/10/27</a:t>
+              <a:t>2018/11/15</a:t>
             </a:fld>
             <a:endParaRPr kumimoji="1" lang="zh-CN" altLang="en-US"/>
           </a:p>
@@ -1018,7 +1018,7 @@
           <a:p>
             <a:fld id="{9C520354-5E8F-5045-9489-51F8EE826BEB}" type="datetimeFigureOut">
               <a:rPr kumimoji="1" lang="zh-CN" altLang="en-US" smtClean="0"/>
-              <a:t>2018/10/27</a:t>
+              <a:t>2018/11/15</a:t>
             </a:fld>
             <a:endParaRPr kumimoji="1" lang="zh-CN" altLang="en-US"/>
           </a:p>
@@ -1250,7 +1250,7 @@
           <a:p>
             <a:fld id="{9C520354-5E8F-5045-9489-51F8EE826BEB}" type="datetimeFigureOut">
               <a:rPr kumimoji="1" lang="zh-CN" altLang="en-US" smtClean="0"/>
-              <a:t>2018/10/27</a:t>
+              <a:t>2018/11/15</a:t>
             </a:fld>
             <a:endParaRPr kumimoji="1" lang="zh-CN" altLang="en-US"/>
           </a:p>
@@ -1617,7 +1617,7 @@
           <a:p>
             <a:fld id="{9C520354-5E8F-5045-9489-51F8EE826BEB}" type="datetimeFigureOut">
               <a:rPr kumimoji="1" lang="zh-CN" altLang="en-US" smtClean="0"/>
-              <a:t>2018/10/27</a:t>
+              <a:t>2018/11/15</a:t>
             </a:fld>
             <a:endParaRPr kumimoji="1" lang="zh-CN" altLang="en-US"/>
           </a:p>
@@ -1735,7 +1735,7 @@
           <a:p>
             <a:fld id="{9C520354-5E8F-5045-9489-51F8EE826BEB}" type="datetimeFigureOut">
               <a:rPr kumimoji="1" lang="zh-CN" altLang="en-US" smtClean="0"/>
-              <a:t>2018/10/27</a:t>
+              <a:t>2018/11/15</a:t>
             </a:fld>
             <a:endParaRPr kumimoji="1" lang="zh-CN" altLang="en-US"/>
           </a:p>
@@ -1830,7 +1830,7 @@
           <a:p>
             <a:fld id="{9C520354-5E8F-5045-9489-51F8EE826BEB}" type="datetimeFigureOut">
               <a:rPr kumimoji="1" lang="zh-CN" altLang="en-US" smtClean="0"/>
-              <a:t>2018/10/27</a:t>
+              <a:t>2018/11/15</a:t>
             </a:fld>
             <a:endParaRPr kumimoji="1" lang="zh-CN" altLang="en-US"/>
           </a:p>
@@ -2107,7 +2107,7 @@
           <a:p>
             <a:fld id="{9C520354-5E8F-5045-9489-51F8EE826BEB}" type="datetimeFigureOut">
               <a:rPr kumimoji="1" lang="zh-CN" altLang="en-US" smtClean="0"/>
-              <a:t>2018/10/27</a:t>
+              <a:t>2018/11/15</a:t>
             </a:fld>
             <a:endParaRPr kumimoji="1" lang="zh-CN" altLang="en-US"/>
           </a:p>
@@ -2364,7 +2364,7 @@
           <a:p>
             <a:fld id="{9C520354-5E8F-5045-9489-51F8EE826BEB}" type="datetimeFigureOut">
               <a:rPr kumimoji="1" lang="zh-CN" altLang="en-US" smtClean="0"/>
-              <a:t>2018/10/27</a:t>
+              <a:t>2018/11/15</a:t>
             </a:fld>
             <a:endParaRPr kumimoji="1" lang="zh-CN" altLang="en-US"/>
           </a:p>
@@ -2577,7 +2577,7 @@
           <a:p>
             <a:fld id="{9C520354-5E8F-5045-9489-51F8EE826BEB}" type="datetimeFigureOut">
               <a:rPr kumimoji="1" lang="zh-CN" altLang="en-US" smtClean="0"/>
-              <a:t>2018/10/27</a:t>
+              <a:t>2018/11/15</a:t>
             </a:fld>
             <a:endParaRPr kumimoji="1" lang="zh-CN" altLang="en-US"/>
           </a:p>
@@ -3340,7 +3340,7 @@
         </p:nvSpPr>
         <p:spPr>
           <a:xfrm>
-            <a:off x="1140302" y="3771899"/>
+            <a:off x="1197954" y="3255392"/>
             <a:ext cx="517314" cy="1128712"/>
           </a:xfrm>
           <a:prstGeom prst="rect">
@@ -4392,8 +4392,8 @@
         </p:nvCxnSpPr>
         <p:spPr>
           <a:xfrm flipV="1">
-            <a:off x="887503" y="4336255"/>
-            <a:ext cx="252799" cy="126817"/>
+            <a:off x="887503" y="3819748"/>
+            <a:ext cx="310451" cy="643324"/>
           </a:xfrm>
           <a:prstGeom prst="straightConnector1">
             <a:avLst/>
@@ -4434,9 +4434,9 @@
           <p:nvPr/>
         </p:nvCxnSpPr>
         <p:spPr>
-          <a:xfrm flipV="1">
-            <a:off x="1657616" y="4164227"/>
-            <a:ext cx="331822" cy="172028"/>
+          <a:xfrm>
+            <a:off x="1715268" y="3819748"/>
+            <a:ext cx="274170" cy="344479"/>
           </a:xfrm>
           <a:prstGeom prst="line">
             <a:avLst/>
